--- a/files/presentation/phenomenologicalModel.pptx
+++ b/files/presentation/phenomenologicalModel.pptx
@@ -6,8 +6,9 @@
   </p:sldMasterIdLst>
   <p:sldIdLst>
     <p:sldId id="259" r:id="rId2"/>
-    <p:sldId id="258" r:id="rId3"/>
-    <p:sldId id="260" r:id="rId4"/>
+    <p:sldId id="261" r:id="rId3"/>
+    <p:sldId id="258" r:id="rId4"/>
+    <p:sldId id="260" r:id="rId5"/>
   </p:sldIdLst>
   <p:sldSz cx="12192000" cy="6858000"/>
   <p:notesSz cx="6858000" cy="9144000"/>
@@ -106,7 +107,121 @@
       </a:defRPr>
     </a:lvl9pPr>
   </p:defaultTextStyle>
+  <p:extLst>
+    <p:ext uri="{EFAFB233-063F-42B5-8137-9DF3F51BA10A}">
+      <p15:sldGuideLst xmlns:p15="http://schemas.microsoft.com/office/powerpoint/2012/main"/>
+    </p:ext>
+  </p:extLst>
 </p:presentation>
+</file>
+
+<file path=ppt/changesInfos/changesInfo1.xml><?xml version="1.0" encoding="utf-8"?>
+<pc:chgInfo xmlns:a="http://schemas.openxmlformats.org/drawingml/2006/main" xmlns:r="http://schemas.openxmlformats.org/officeDocument/2006/relationships" xmlns:ac="http://schemas.microsoft.com/office/drawing/2013/main/command" xmlns:pc="http://schemas.microsoft.com/office/powerpoint/2013/main/command">
+  <pc:docChgLst>
+    <pc:chgData name="Daniel GARZA" userId="fdc002f3bb6c7156" providerId="LiveId" clId="{B6FF6DCF-DE92-45BC-A875-DF57A8A8C72B}"/>
+    <pc:docChg chg="custSel addSld modSld">
+      <pc:chgData name="Daniel GARZA" userId="fdc002f3bb6c7156" providerId="LiveId" clId="{B6FF6DCF-DE92-45BC-A875-DF57A8A8C72B}" dt="2023-05-24T16:11:11.976" v="27" actId="22"/>
+      <pc:docMkLst>
+        <pc:docMk/>
+      </pc:docMkLst>
+      <pc:sldChg chg="addSp delSp modSp new mod">
+        <pc:chgData name="Daniel GARZA" userId="fdc002f3bb6c7156" providerId="LiveId" clId="{B6FF6DCF-DE92-45BC-A875-DF57A8A8C72B}" dt="2023-05-24T16:11:11.976" v="27" actId="22"/>
+        <pc:sldMkLst>
+          <pc:docMk/>
+          <pc:sldMk cId="2748062180" sldId="261"/>
+        </pc:sldMkLst>
+        <pc:spChg chg="del">
+          <ac:chgData name="Daniel GARZA" userId="fdc002f3bb6c7156" providerId="LiveId" clId="{B6FF6DCF-DE92-45BC-A875-DF57A8A8C72B}" dt="2023-05-24T15:23:27.449" v="1" actId="478"/>
+          <ac:spMkLst>
+            <pc:docMk/>
+            <pc:sldMk cId="2748062180" sldId="261"/>
+            <ac:spMk id="2" creationId="{2B5B5C7A-1CEA-EE4C-2B70-A19B63077CA7}"/>
+          </ac:spMkLst>
+        </pc:spChg>
+        <pc:spChg chg="del">
+          <ac:chgData name="Daniel GARZA" userId="fdc002f3bb6c7156" providerId="LiveId" clId="{B6FF6DCF-DE92-45BC-A875-DF57A8A8C72B}" dt="2023-05-24T15:23:30.233" v="2" actId="478"/>
+          <ac:spMkLst>
+            <pc:docMk/>
+            <pc:sldMk cId="2748062180" sldId="261"/>
+            <ac:spMk id="3" creationId="{AE2EFB75-9FF3-2212-6FD9-70B1A80C25E5}"/>
+          </ac:spMkLst>
+        </pc:spChg>
+        <pc:picChg chg="add del">
+          <ac:chgData name="Daniel GARZA" userId="fdc002f3bb6c7156" providerId="LiveId" clId="{B6FF6DCF-DE92-45BC-A875-DF57A8A8C72B}" dt="2023-05-24T15:23:37.397" v="4" actId="478"/>
+          <ac:picMkLst>
+            <pc:docMk/>
+            <pc:sldMk cId="2748062180" sldId="261"/>
+            <ac:picMk id="5" creationId="{89743185-1902-C2EB-849A-F0517D0AF5B3}"/>
+          </ac:picMkLst>
+        </pc:picChg>
+        <pc:picChg chg="add del mod">
+          <ac:chgData name="Daniel GARZA" userId="fdc002f3bb6c7156" providerId="LiveId" clId="{B6FF6DCF-DE92-45BC-A875-DF57A8A8C72B}" dt="2023-05-24T15:58:53.031" v="7" actId="478"/>
+          <ac:picMkLst>
+            <pc:docMk/>
+            <pc:sldMk cId="2748062180" sldId="261"/>
+            <ac:picMk id="7" creationId="{92E4DFF1-8471-EC74-9D47-4CF3FF578A27}"/>
+          </ac:picMkLst>
+        </pc:picChg>
+        <pc:picChg chg="add del mod">
+          <ac:chgData name="Daniel GARZA" userId="fdc002f3bb6c7156" providerId="LiveId" clId="{B6FF6DCF-DE92-45BC-A875-DF57A8A8C72B}" dt="2023-05-24T16:01:22.981" v="14" actId="478"/>
+          <ac:picMkLst>
+            <pc:docMk/>
+            <pc:sldMk cId="2748062180" sldId="261"/>
+            <ac:picMk id="9" creationId="{04B3ED5F-16AC-070C-97F9-DF54E1E198CB}"/>
+          </ac:picMkLst>
+        </pc:picChg>
+        <pc:picChg chg="add del mod">
+          <ac:chgData name="Daniel GARZA" userId="fdc002f3bb6c7156" providerId="LiveId" clId="{B6FF6DCF-DE92-45BC-A875-DF57A8A8C72B}" dt="2023-05-24T15:59:56.981" v="12" actId="478"/>
+          <ac:picMkLst>
+            <pc:docMk/>
+            <pc:sldMk cId="2748062180" sldId="261"/>
+            <ac:picMk id="11" creationId="{A51C5E1F-B7C4-6953-8730-914B73A767DD}"/>
+          </ac:picMkLst>
+        </pc:picChg>
+        <pc:picChg chg="add del mod">
+          <ac:chgData name="Daniel GARZA" userId="fdc002f3bb6c7156" providerId="LiveId" clId="{B6FF6DCF-DE92-45BC-A875-DF57A8A8C72B}" dt="2023-05-24T16:01:28.150" v="17" actId="478"/>
+          <ac:picMkLst>
+            <pc:docMk/>
+            <pc:sldMk cId="2748062180" sldId="261"/>
+            <ac:picMk id="13" creationId="{C7BA5DD7-B82A-7BC2-EDBC-DDB60D66FBC9}"/>
+          </ac:picMkLst>
+        </pc:picChg>
+        <pc:picChg chg="add del mod">
+          <ac:chgData name="Daniel GARZA" userId="fdc002f3bb6c7156" providerId="LiveId" clId="{B6FF6DCF-DE92-45BC-A875-DF57A8A8C72B}" dt="2023-05-24T16:04:23.271" v="20" actId="478"/>
+          <ac:picMkLst>
+            <pc:docMk/>
+            <pc:sldMk cId="2748062180" sldId="261"/>
+            <ac:picMk id="15" creationId="{5E270721-4A70-7924-110E-0408AC7AD3A1}"/>
+          </ac:picMkLst>
+        </pc:picChg>
+        <pc:picChg chg="add del mod">
+          <ac:chgData name="Daniel GARZA" userId="fdc002f3bb6c7156" providerId="LiveId" clId="{B6FF6DCF-DE92-45BC-A875-DF57A8A8C72B}" dt="2023-05-24T16:08:27.095" v="23" actId="478"/>
+          <ac:picMkLst>
+            <pc:docMk/>
+            <pc:sldMk cId="2748062180" sldId="261"/>
+            <ac:picMk id="17" creationId="{0C8296FE-D65D-FDCD-DE82-3A29965E8F27}"/>
+          </ac:picMkLst>
+        </pc:picChg>
+        <pc:picChg chg="add del mod">
+          <ac:chgData name="Daniel GARZA" userId="fdc002f3bb6c7156" providerId="LiveId" clId="{B6FF6DCF-DE92-45BC-A875-DF57A8A8C72B}" dt="2023-05-24T16:11:11.201" v="26" actId="478"/>
+          <ac:picMkLst>
+            <pc:docMk/>
+            <pc:sldMk cId="2748062180" sldId="261"/>
+            <ac:picMk id="19" creationId="{3BFE94D7-11A0-632B-1ED8-517B68B6697E}"/>
+          </ac:picMkLst>
+        </pc:picChg>
+        <pc:picChg chg="add">
+          <ac:chgData name="Daniel GARZA" userId="fdc002f3bb6c7156" providerId="LiveId" clId="{B6FF6DCF-DE92-45BC-A875-DF57A8A8C72B}" dt="2023-05-24T16:11:11.976" v="27" actId="22"/>
+          <ac:picMkLst>
+            <pc:docMk/>
+            <pc:sldMk cId="2748062180" sldId="261"/>
+            <ac:picMk id="21" creationId="{EB64B22F-DCF2-098D-B665-530F18CE1699}"/>
+          </ac:picMkLst>
+        </pc:picChg>
+      </pc:sldChg>
+    </pc:docChg>
+  </pc:docChgLst>
+</pc:chgInfo>
 </file>
 
 <file path=ppt/slideLayouts/slideLayout1.xml><?xml version="1.0" encoding="utf-8"?>
@@ -256,7 +371,7 @@
           <a:p>
             <a:fld id="{4B1A4B50-3E50-4124-9148-68D3CECFE430}" type="datetimeFigureOut">
               <a:rPr lang="en-US" smtClean="0"/>
-              <a:t>5/23/2023</a:t>
+              <a:t>5/24/2023</a:t>
             </a:fld>
             <a:endParaRPr lang="en-US"/>
           </a:p>
@@ -454,7 +569,7 @@
           <a:p>
             <a:fld id="{4B1A4B50-3E50-4124-9148-68D3CECFE430}" type="datetimeFigureOut">
               <a:rPr lang="en-US" smtClean="0"/>
-              <a:t>5/23/2023</a:t>
+              <a:t>5/24/2023</a:t>
             </a:fld>
             <a:endParaRPr lang="en-US"/>
           </a:p>
@@ -662,7 +777,7 @@
           <a:p>
             <a:fld id="{4B1A4B50-3E50-4124-9148-68D3CECFE430}" type="datetimeFigureOut">
               <a:rPr lang="en-US" smtClean="0"/>
-              <a:t>5/23/2023</a:t>
+              <a:t>5/24/2023</a:t>
             </a:fld>
             <a:endParaRPr lang="en-US"/>
           </a:p>
@@ -860,7 +975,7 @@
           <a:p>
             <a:fld id="{4B1A4B50-3E50-4124-9148-68D3CECFE430}" type="datetimeFigureOut">
               <a:rPr lang="en-US" smtClean="0"/>
-              <a:t>5/23/2023</a:t>
+              <a:t>5/24/2023</a:t>
             </a:fld>
             <a:endParaRPr lang="en-US"/>
           </a:p>
@@ -1135,7 +1250,7 @@
           <a:p>
             <a:fld id="{4B1A4B50-3E50-4124-9148-68D3CECFE430}" type="datetimeFigureOut">
               <a:rPr lang="en-US" smtClean="0"/>
-              <a:t>5/23/2023</a:t>
+              <a:t>5/24/2023</a:t>
             </a:fld>
             <a:endParaRPr lang="en-US"/>
           </a:p>
@@ -1400,7 +1515,7 @@
           <a:p>
             <a:fld id="{4B1A4B50-3E50-4124-9148-68D3CECFE430}" type="datetimeFigureOut">
               <a:rPr lang="en-US" smtClean="0"/>
-              <a:t>5/23/2023</a:t>
+              <a:t>5/24/2023</a:t>
             </a:fld>
             <a:endParaRPr lang="en-US"/>
           </a:p>
@@ -1812,7 +1927,7 @@
           <a:p>
             <a:fld id="{4B1A4B50-3E50-4124-9148-68D3CECFE430}" type="datetimeFigureOut">
               <a:rPr lang="en-US" smtClean="0"/>
-              <a:t>5/23/2023</a:t>
+              <a:t>5/24/2023</a:t>
             </a:fld>
             <a:endParaRPr lang="en-US"/>
           </a:p>
@@ -1953,7 +2068,7 @@
           <a:p>
             <a:fld id="{4B1A4B50-3E50-4124-9148-68D3CECFE430}" type="datetimeFigureOut">
               <a:rPr lang="en-US" smtClean="0"/>
-              <a:t>5/23/2023</a:t>
+              <a:t>5/24/2023</a:t>
             </a:fld>
             <a:endParaRPr lang="en-US"/>
           </a:p>
@@ -2066,7 +2181,7 @@
           <a:p>
             <a:fld id="{4B1A4B50-3E50-4124-9148-68D3CECFE430}" type="datetimeFigureOut">
               <a:rPr lang="en-US" smtClean="0"/>
-              <a:t>5/23/2023</a:t>
+              <a:t>5/24/2023</a:t>
             </a:fld>
             <a:endParaRPr lang="en-US"/>
           </a:p>
@@ -2377,7 +2492,7 @@
           <a:p>
             <a:fld id="{4B1A4B50-3E50-4124-9148-68D3CECFE430}" type="datetimeFigureOut">
               <a:rPr lang="en-US" smtClean="0"/>
-              <a:t>5/23/2023</a:t>
+              <a:t>5/24/2023</a:t>
             </a:fld>
             <a:endParaRPr lang="en-US"/>
           </a:p>
@@ -2665,7 +2780,7 @@
           <a:p>
             <a:fld id="{4B1A4B50-3E50-4124-9148-68D3CECFE430}" type="datetimeFigureOut">
               <a:rPr lang="en-US" smtClean="0"/>
-              <a:t>5/23/2023</a:t>
+              <a:t>5/24/2023</a:t>
             </a:fld>
             <a:endParaRPr lang="en-US"/>
           </a:p>
@@ -2906,7 +3021,7 @@
           <a:p>
             <a:fld id="{4B1A4B50-3E50-4124-9148-68D3CECFE430}" type="datetimeFigureOut">
               <a:rPr lang="en-US" smtClean="0"/>
-              <a:t>5/23/2023</a:t>
+              <a:t>5/24/2023</a:t>
             </a:fld>
             <a:endParaRPr lang="en-US"/>
           </a:p>
@@ -3515,6 +3630,66 @@
       </p:grpSpPr>
       <p:pic>
         <p:nvPicPr>
+          <p:cNvPr id="21" name="Picture 20">
+            <a:extLst>
+              <a:ext uri="{FF2B5EF4-FFF2-40B4-BE49-F238E27FC236}">
+                <a16:creationId xmlns:a16="http://schemas.microsoft.com/office/drawing/2014/main" id="{EB64B22F-DCF2-098D-B665-530F18CE1699}"/>
+              </a:ext>
+            </a:extLst>
+          </p:cNvPr>
+          <p:cNvPicPr>
+            <a:picLocks noChangeAspect="1"/>
+          </p:cNvPicPr>
+          <p:nvPr/>
+        </p:nvPicPr>
+        <p:blipFill>
+          <a:blip r:embed="rId2"/>
+          <a:stretch>
+            <a:fillRect/>
+          </a:stretch>
+        </p:blipFill>
+        <p:spPr>
+          <a:xfrm>
+            <a:off x="3192528" y="826544"/>
+            <a:ext cx="5806943" cy="5204911"/>
+          </a:xfrm>
+          <a:prstGeom prst="rect">
+            <a:avLst/>
+          </a:prstGeom>
+        </p:spPr>
+      </p:pic>
+    </p:spTree>
+    <p:extLst>
+      <p:ext uri="{BB962C8B-B14F-4D97-AF65-F5344CB8AC3E}">
+        <p14:creationId xmlns:p14="http://schemas.microsoft.com/office/powerpoint/2010/main" val="2748062180"/>
+      </p:ext>
+    </p:extLst>
+  </p:cSld>
+  <p:clrMapOvr>
+    <a:masterClrMapping/>
+  </p:clrMapOvr>
+</p:sld>
+</file>
+
+<file path=ppt/slides/slide3.xml><?xml version="1.0" encoding="utf-8"?>
+<p:sld xmlns:a="http://schemas.openxmlformats.org/drawingml/2006/main" xmlns:r="http://schemas.openxmlformats.org/officeDocument/2006/relationships" xmlns:p="http://schemas.openxmlformats.org/presentationml/2006/main">
+  <p:cSld>
+    <p:spTree>
+      <p:nvGrpSpPr>
+        <p:cNvPr id="1" name=""/>
+        <p:cNvGrpSpPr/>
+        <p:nvPr/>
+      </p:nvGrpSpPr>
+      <p:grpSpPr>
+        <a:xfrm>
+          <a:off x="0" y="0"/>
+          <a:ext cx="0" cy="0"/>
+          <a:chOff x="0" y="0"/>
+          <a:chExt cx="0" cy="0"/>
+        </a:xfrm>
+      </p:grpSpPr>
+      <p:pic>
+        <p:nvPicPr>
           <p:cNvPr id="4" name="Picture 3" descr="\documentclass{article}&#10;\usepackage{amsmath}&#10;\pagestyle{empty}&#10;\begin{document}&#10;&#10;$\underset{x_a \rightarrow x_b}{f} = \frac{\epsilon^{h_{x_a, x_b}}}{k_{x_a, x_b}^{h_{x_a, x_b}} +\epsilon^{h_{x_a, x_b}}}r­_{x_a, x_b}$&#10;&#10;&#10;\end{document}" title="IguanaTex Bitmap Display">
             <a:extLst>
               <a:ext uri="{FF2B5EF4-FFF2-40B4-BE49-F238E27FC236}">
@@ -4041,7 +4216,7 @@
 </p:sld>
 </file>
 
-<file path=ppt/slides/slide3.xml><?xml version="1.0" encoding="utf-8"?>
+<file path=ppt/slides/slide4.xml><?xml version="1.0" encoding="utf-8"?>
 <p:sld xmlns:a="http://schemas.openxmlformats.org/drawingml/2006/main" xmlns:r="http://schemas.openxmlformats.org/officeDocument/2006/relationships" xmlns:p="http://schemas.openxmlformats.org/presentationml/2006/main">
   <p:cSld>
     <p:spTree>

--- a/files/presentation/phenomenologicalModel.pptx
+++ b/files/presentation/phenomenologicalModel.pptx
@@ -5,10 +5,10 @@
     <p:sldMasterId id="2147483648" r:id="rId1"/>
   </p:sldMasterIdLst>
   <p:sldIdLst>
-    <p:sldId id="259" r:id="rId2"/>
-    <p:sldId id="261" r:id="rId3"/>
+    <p:sldId id="261" r:id="rId2"/>
+    <p:sldId id="259" r:id="rId3"/>
     <p:sldId id="258" r:id="rId4"/>
-    <p:sldId id="260" r:id="rId5"/>
+    <p:sldId id="262" r:id="rId5"/>
   </p:sldIdLst>
   <p:sldSz cx="12192000" cy="6858000"/>
   <p:notesSz cx="6858000" cy="9144000"/>
@@ -115,17 +115,126 @@
 </p:presentation>
 </file>
 
+<file path=ppt/revisionInfo.xml><?xml version="1.0" encoding="utf-8"?>
+<p1510:revInfo xmlns:a="http://schemas.openxmlformats.org/drawingml/2006/main" xmlns:r="http://schemas.openxmlformats.org/officeDocument/2006/relationships" xmlns:p1510="http://schemas.microsoft.com/office/powerpoint/2015/10/main">
+  <p1510:revLst>
+    <p1510:client id="{B6FF6DCF-DE92-45BC-A875-DF57A8A8C72B}" v="2" dt="2023-05-30T13:32:55.097"/>
+  </p1510:revLst>
+</p1510:revInfo>
+</file>
+
 <file path=ppt/changesInfos/changesInfo1.xml><?xml version="1.0" encoding="utf-8"?>
 <pc:chgInfo xmlns:a="http://schemas.openxmlformats.org/drawingml/2006/main" xmlns:r="http://schemas.openxmlformats.org/officeDocument/2006/relationships" xmlns:ac="http://schemas.microsoft.com/office/drawing/2013/main/command" xmlns:pc="http://schemas.microsoft.com/office/powerpoint/2013/main/command">
   <pc:docChgLst>
     <pc:chgData name="Daniel GARZA" userId="fdc002f3bb6c7156" providerId="LiveId" clId="{B6FF6DCF-DE92-45BC-A875-DF57A8A8C72B}"/>
-    <pc:docChg chg="custSel addSld modSld">
-      <pc:chgData name="Daniel GARZA" userId="fdc002f3bb6c7156" providerId="LiveId" clId="{B6FF6DCF-DE92-45BC-A875-DF57A8A8C72B}" dt="2023-05-24T16:11:11.976" v="27" actId="22"/>
+    <pc:docChg chg="custSel addSld delSld modSld sldOrd">
+      <pc:chgData name="Daniel GARZA" userId="fdc002f3bb6c7156" providerId="LiveId" clId="{B6FF6DCF-DE92-45BC-A875-DF57A8A8C72B}" dt="2023-05-30T13:33:01.021" v="53" actId="2696"/>
       <pc:docMkLst>
         <pc:docMk/>
       </pc:docMkLst>
+      <pc:sldChg chg="modSp mod">
+        <pc:chgData name="Daniel GARZA" userId="fdc002f3bb6c7156" providerId="LiveId" clId="{B6FF6DCF-DE92-45BC-A875-DF57A8A8C72B}" dt="2023-05-29T16:29:31.875" v="39" actId="1076"/>
+        <pc:sldMkLst>
+          <pc:docMk/>
+          <pc:sldMk cId="1095559361" sldId="258"/>
+        </pc:sldMkLst>
+        <pc:picChg chg="mod">
+          <ac:chgData name="Daniel GARZA" userId="fdc002f3bb6c7156" providerId="LiveId" clId="{B6FF6DCF-DE92-45BC-A875-DF57A8A8C72B}" dt="2023-05-29T16:28:39.282" v="28" actId="1076"/>
+          <ac:picMkLst>
+            <pc:docMk/>
+            <pc:sldMk cId="1095559361" sldId="258"/>
+            <ac:picMk id="4" creationId="{2AF9D384-CF8A-D481-0414-2C10BAFDE136}"/>
+          </ac:picMkLst>
+        </pc:picChg>
+        <pc:picChg chg="mod">
+          <ac:chgData name="Daniel GARZA" userId="fdc002f3bb6c7156" providerId="LiveId" clId="{B6FF6DCF-DE92-45BC-A875-DF57A8A8C72B}" dt="2023-05-29T16:28:50.222" v="30" actId="1076"/>
+          <ac:picMkLst>
+            <pc:docMk/>
+            <pc:sldMk cId="1095559361" sldId="258"/>
+            <ac:picMk id="5" creationId="{EF5D785D-5E85-FE46-9700-B32E69C95ACB}"/>
+          </ac:picMkLst>
+        </pc:picChg>
+        <pc:picChg chg="mod">
+          <ac:chgData name="Daniel GARZA" userId="fdc002f3bb6c7156" providerId="LiveId" clId="{B6FF6DCF-DE92-45BC-A875-DF57A8A8C72B}" dt="2023-05-29T16:28:45.727" v="29" actId="1076"/>
+          <ac:picMkLst>
+            <pc:docMk/>
+            <pc:sldMk cId="1095559361" sldId="258"/>
+            <ac:picMk id="6" creationId="{AB49D1E3-3A48-D22A-D5FB-D7F65FAECDF7}"/>
+          </ac:picMkLst>
+        </pc:picChg>
+        <pc:picChg chg="mod">
+          <ac:chgData name="Daniel GARZA" userId="fdc002f3bb6c7156" providerId="LiveId" clId="{B6FF6DCF-DE92-45BC-A875-DF57A8A8C72B}" dt="2023-05-29T16:29:11.174" v="34" actId="1076"/>
+          <ac:picMkLst>
+            <pc:docMk/>
+            <pc:sldMk cId="1095559361" sldId="258"/>
+            <ac:picMk id="7" creationId="{FEE6EFA5-A79D-162C-6C86-D1A6B40F26D5}"/>
+          </ac:picMkLst>
+        </pc:picChg>
+        <pc:picChg chg="mod">
+          <ac:chgData name="Daniel GARZA" userId="fdc002f3bb6c7156" providerId="LiveId" clId="{B6FF6DCF-DE92-45BC-A875-DF57A8A8C72B}" dt="2023-05-29T16:29:00.046" v="32" actId="1076"/>
+          <ac:picMkLst>
+            <pc:docMk/>
+            <pc:sldMk cId="1095559361" sldId="258"/>
+            <ac:picMk id="8" creationId="{4D302DAD-3078-4360-47BE-73BA970BC88D}"/>
+          </ac:picMkLst>
+        </pc:picChg>
+        <pc:picChg chg="mod">
+          <ac:chgData name="Daniel GARZA" userId="fdc002f3bb6c7156" providerId="LiveId" clId="{B6FF6DCF-DE92-45BC-A875-DF57A8A8C72B}" dt="2023-05-29T16:29:21.032" v="36" actId="1076"/>
+          <ac:picMkLst>
+            <pc:docMk/>
+            <pc:sldMk cId="1095559361" sldId="258"/>
+            <ac:picMk id="9" creationId="{8A854C17-3FFD-B916-74CB-E26B26A5CF63}"/>
+          </ac:picMkLst>
+        </pc:picChg>
+        <pc:picChg chg="mod">
+          <ac:chgData name="Daniel GARZA" userId="fdc002f3bb6c7156" providerId="LiveId" clId="{B6FF6DCF-DE92-45BC-A875-DF57A8A8C72B}" dt="2023-05-29T16:29:14.824" v="35" actId="1076"/>
+          <ac:picMkLst>
+            <pc:docMk/>
+            <pc:sldMk cId="1095559361" sldId="258"/>
+            <ac:picMk id="10" creationId="{66FF5EA8-7650-15D8-DC79-D815C0588C6F}"/>
+          </ac:picMkLst>
+        </pc:picChg>
+        <pc:picChg chg="mod">
+          <ac:chgData name="Daniel GARZA" userId="fdc002f3bb6c7156" providerId="LiveId" clId="{B6FF6DCF-DE92-45BC-A875-DF57A8A8C72B}" dt="2023-05-29T16:29:26.064" v="37" actId="1076"/>
+          <ac:picMkLst>
+            <pc:docMk/>
+            <pc:sldMk cId="1095559361" sldId="258"/>
+            <ac:picMk id="11" creationId="{1D7CB62C-9C6F-C411-E187-454CA58640E5}"/>
+          </ac:picMkLst>
+        </pc:picChg>
+        <pc:picChg chg="mod">
+          <ac:chgData name="Daniel GARZA" userId="fdc002f3bb6c7156" providerId="LiveId" clId="{B6FF6DCF-DE92-45BC-A875-DF57A8A8C72B}" dt="2023-05-29T16:29:29.094" v="38" actId="1076"/>
+          <ac:picMkLst>
+            <pc:docMk/>
+            <pc:sldMk cId="1095559361" sldId="258"/>
+            <ac:picMk id="12" creationId="{8A5B66B1-0E18-60F4-657D-DFA114EFA700}"/>
+          </ac:picMkLst>
+        </pc:picChg>
+        <pc:picChg chg="mod">
+          <ac:chgData name="Daniel GARZA" userId="fdc002f3bb6c7156" providerId="LiveId" clId="{B6FF6DCF-DE92-45BC-A875-DF57A8A8C72B}" dt="2023-05-29T16:29:31.875" v="39" actId="1076"/>
+          <ac:picMkLst>
+            <pc:docMk/>
+            <pc:sldMk cId="1095559361" sldId="258"/>
+            <ac:picMk id="14" creationId="{3C20887E-A817-1324-9101-2A8279E8A191}"/>
+          </ac:picMkLst>
+        </pc:picChg>
+      </pc:sldChg>
+      <pc:sldChg chg="ord">
+        <pc:chgData name="Daniel GARZA" userId="fdc002f3bb6c7156" providerId="LiveId" clId="{B6FF6DCF-DE92-45BC-A875-DF57A8A8C72B}" dt="2023-05-30T13:31:51.843" v="41"/>
+        <pc:sldMkLst>
+          <pc:docMk/>
+          <pc:sldMk cId="3790816064" sldId="259"/>
+        </pc:sldMkLst>
+      </pc:sldChg>
+      <pc:sldChg chg="del">
+        <pc:chgData name="Daniel GARZA" userId="fdc002f3bb6c7156" providerId="LiveId" clId="{B6FF6DCF-DE92-45BC-A875-DF57A8A8C72B}" dt="2023-05-30T13:33:01.021" v="53" actId="2696"/>
+        <pc:sldMkLst>
+          <pc:docMk/>
+          <pc:sldMk cId="4143629065" sldId="260"/>
+        </pc:sldMkLst>
+      </pc:sldChg>
       <pc:sldChg chg="addSp delSp modSp new mod">
-        <pc:chgData name="Daniel GARZA" userId="fdc002f3bb6c7156" providerId="LiveId" clId="{B6FF6DCF-DE92-45BC-A875-DF57A8A8C72B}" dt="2023-05-24T16:11:11.976" v="27" actId="22"/>
+        <pc:chgData name="Daniel GARZA" userId="fdc002f3bb6c7156" providerId="LiveId" clId="{B6FF6DCF-DE92-45BC-A875-DF57A8A8C72B}" dt="2023-05-30T13:32:55.097" v="52"/>
         <pc:sldMkLst>
           <pc:docMk/>
           <pc:sldMk cId="2748062180" sldId="261"/>
@@ -146,6 +255,14 @@
             <ac:spMk id="3" creationId="{AE2EFB75-9FF3-2212-6FD9-70B1A80C25E5}"/>
           </ac:spMkLst>
         </pc:spChg>
+        <pc:picChg chg="add mod">
+          <ac:chgData name="Daniel GARZA" userId="fdc002f3bb6c7156" providerId="LiveId" clId="{B6FF6DCF-DE92-45BC-A875-DF57A8A8C72B}" dt="2023-05-30T13:32:55.097" v="52"/>
+          <ac:picMkLst>
+            <pc:docMk/>
+            <pc:sldMk cId="2748062180" sldId="261"/>
+            <ac:picMk id="2" creationId="{7422CB37-F87E-F8F8-1FDF-437F188FA830}"/>
+          </ac:picMkLst>
+        </pc:picChg>
         <pc:picChg chg="add del">
           <ac:chgData name="Daniel GARZA" userId="fdc002f3bb6c7156" providerId="LiveId" clId="{B6FF6DCF-DE92-45BC-A875-DF57A8A8C72B}" dt="2023-05-24T15:23:37.397" v="4" actId="478"/>
           <ac:picMkLst>
@@ -210,12 +327,43 @@
             <ac:picMk id="19" creationId="{3BFE94D7-11A0-632B-1ED8-517B68B6697E}"/>
           </ac:picMkLst>
         </pc:picChg>
-        <pc:picChg chg="add">
-          <ac:chgData name="Daniel GARZA" userId="fdc002f3bb6c7156" providerId="LiveId" clId="{B6FF6DCF-DE92-45BC-A875-DF57A8A8C72B}" dt="2023-05-24T16:11:11.976" v="27" actId="22"/>
+        <pc:picChg chg="add del">
+          <ac:chgData name="Daniel GARZA" userId="fdc002f3bb6c7156" providerId="LiveId" clId="{B6FF6DCF-DE92-45BC-A875-DF57A8A8C72B}" dt="2023-05-30T13:32:42.176" v="51" actId="478"/>
           <ac:picMkLst>
             <pc:docMk/>
             <pc:sldMk cId="2748062180" sldId="261"/>
             <ac:picMk id="21" creationId="{EB64B22F-DCF2-098D-B665-530F18CE1699}"/>
+          </ac:picMkLst>
+        </pc:picChg>
+      </pc:sldChg>
+      <pc:sldChg chg="addSp delSp modSp new mod">
+        <pc:chgData name="Daniel GARZA" userId="fdc002f3bb6c7156" providerId="LiveId" clId="{B6FF6DCF-DE92-45BC-A875-DF57A8A8C72B}" dt="2023-05-30T13:32:12.718" v="50" actId="1076"/>
+        <pc:sldMkLst>
+          <pc:docMk/>
+          <pc:sldMk cId="1157829885" sldId="262"/>
+        </pc:sldMkLst>
+        <pc:spChg chg="del">
+          <ac:chgData name="Daniel GARZA" userId="fdc002f3bb6c7156" providerId="LiveId" clId="{B6FF6DCF-DE92-45BC-A875-DF57A8A8C72B}" dt="2023-05-30T13:32:00.824" v="43" actId="478"/>
+          <ac:spMkLst>
+            <pc:docMk/>
+            <pc:sldMk cId="1157829885" sldId="262"/>
+            <ac:spMk id="2" creationId="{32E337FB-E685-3C5E-64CB-9EF830A82A52}"/>
+          </ac:spMkLst>
+        </pc:spChg>
+        <pc:spChg chg="del">
+          <ac:chgData name="Daniel GARZA" userId="fdc002f3bb6c7156" providerId="LiveId" clId="{B6FF6DCF-DE92-45BC-A875-DF57A8A8C72B}" dt="2023-05-30T13:32:01.989" v="44" actId="478"/>
+          <ac:spMkLst>
+            <pc:docMk/>
+            <pc:sldMk cId="1157829885" sldId="262"/>
+            <ac:spMk id="3" creationId="{72703178-A2B6-2848-660C-A1A4F5860CFF}"/>
+          </ac:spMkLst>
+        </pc:spChg>
+        <pc:picChg chg="add mod">
+          <ac:chgData name="Daniel GARZA" userId="fdc002f3bb6c7156" providerId="LiveId" clId="{B6FF6DCF-DE92-45BC-A875-DF57A8A8C72B}" dt="2023-05-30T13:32:12.718" v="50" actId="1076"/>
+          <ac:picMkLst>
+            <pc:docMk/>
+            <pc:sldMk cId="1157829885" sldId="262"/>
+            <ac:picMk id="5" creationId="{9E1D60A9-DE82-ABEE-E112-972DCA3F318C}"/>
           </ac:picMkLst>
         </pc:picChg>
       </pc:sldChg>
@@ -371,7 +519,7 @@
           <a:p>
             <a:fld id="{4B1A4B50-3E50-4124-9148-68D3CECFE430}" type="datetimeFigureOut">
               <a:rPr lang="en-US" smtClean="0"/>
-              <a:t>5/24/2023</a:t>
+              <a:t>5/30/2023</a:t>
             </a:fld>
             <a:endParaRPr lang="en-US"/>
           </a:p>
@@ -569,7 +717,7 @@
           <a:p>
             <a:fld id="{4B1A4B50-3E50-4124-9148-68D3CECFE430}" type="datetimeFigureOut">
               <a:rPr lang="en-US" smtClean="0"/>
-              <a:t>5/24/2023</a:t>
+              <a:t>5/30/2023</a:t>
             </a:fld>
             <a:endParaRPr lang="en-US"/>
           </a:p>
@@ -777,7 +925,7 @@
           <a:p>
             <a:fld id="{4B1A4B50-3E50-4124-9148-68D3CECFE430}" type="datetimeFigureOut">
               <a:rPr lang="en-US" smtClean="0"/>
-              <a:t>5/24/2023</a:t>
+              <a:t>5/30/2023</a:t>
             </a:fld>
             <a:endParaRPr lang="en-US"/>
           </a:p>
@@ -975,7 +1123,7 @@
           <a:p>
             <a:fld id="{4B1A4B50-3E50-4124-9148-68D3CECFE430}" type="datetimeFigureOut">
               <a:rPr lang="en-US" smtClean="0"/>
-              <a:t>5/24/2023</a:t>
+              <a:t>5/30/2023</a:t>
             </a:fld>
             <a:endParaRPr lang="en-US"/>
           </a:p>
@@ -1250,7 +1398,7 @@
           <a:p>
             <a:fld id="{4B1A4B50-3E50-4124-9148-68D3CECFE430}" type="datetimeFigureOut">
               <a:rPr lang="en-US" smtClean="0"/>
-              <a:t>5/24/2023</a:t>
+              <a:t>5/30/2023</a:t>
             </a:fld>
             <a:endParaRPr lang="en-US"/>
           </a:p>
@@ -1515,7 +1663,7 @@
           <a:p>
             <a:fld id="{4B1A4B50-3E50-4124-9148-68D3CECFE430}" type="datetimeFigureOut">
               <a:rPr lang="en-US" smtClean="0"/>
-              <a:t>5/24/2023</a:t>
+              <a:t>5/30/2023</a:t>
             </a:fld>
             <a:endParaRPr lang="en-US"/>
           </a:p>
@@ -1927,7 +2075,7 @@
           <a:p>
             <a:fld id="{4B1A4B50-3E50-4124-9148-68D3CECFE430}" type="datetimeFigureOut">
               <a:rPr lang="en-US" smtClean="0"/>
-              <a:t>5/24/2023</a:t>
+              <a:t>5/30/2023</a:t>
             </a:fld>
             <a:endParaRPr lang="en-US"/>
           </a:p>
@@ -2068,7 +2216,7 @@
           <a:p>
             <a:fld id="{4B1A4B50-3E50-4124-9148-68D3CECFE430}" type="datetimeFigureOut">
               <a:rPr lang="en-US" smtClean="0"/>
-              <a:t>5/24/2023</a:t>
+              <a:t>5/30/2023</a:t>
             </a:fld>
             <a:endParaRPr lang="en-US"/>
           </a:p>
@@ -2181,7 +2329,7 @@
           <a:p>
             <a:fld id="{4B1A4B50-3E50-4124-9148-68D3CECFE430}" type="datetimeFigureOut">
               <a:rPr lang="en-US" smtClean="0"/>
-              <a:t>5/24/2023</a:t>
+              <a:t>5/30/2023</a:t>
             </a:fld>
             <a:endParaRPr lang="en-US"/>
           </a:p>
@@ -2492,7 +2640,7 @@
           <a:p>
             <a:fld id="{4B1A4B50-3E50-4124-9148-68D3CECFE430}" type="datetimeFigureOut">
               <a:rPr lang="en-US" smtClean="0"/>
-              <a:t>5/24/2023</a:t>
+              <a:t>5/30/2023</a:t>
             </a:fld>
             <a:endParaRPr lang="en-US"/>
           </a:p>
@@ -2780,7 +2928,7 @@
           <a:p>
             <a:fld id="{4B1A4B50-3E50-4124-9148-68D3CECFE430}" type="datetimeFigureOut">
               <a:rPr lang="en-US" smtClean="0"/>
-              <a:t>5/24/2023</a:t>
+              <a:t>5/30/2023</a:t>
             </a:fld>
             <a:endParaRPr lang="en-US"/>
           </a:p>
@@ -3021,7 +3169,7 @@
           <a:p>
             <a:fld id="{4B1A4B50-3E50-4124-9148-68D3CECFE430}" type="datetimeFigureOut">
               <a:rPr lang="en-US" smtClean="0"/>
-              <a:t>5/24/2023</a:t>
+              <a:t>5/30/2023</a:t>
             </a:fld>
             <a:endParaRPr lang="en-US"/>
           </a:p>
@@ -3440,17 +3588,19 @@
       </p:grpSpPr>
       <p:pic>
         <p:nvPicPr>
-          <p:cNvPr id="4" name="Picture 3">
-            <a:extLst>
-              <a:ext uri="{FF2B5EF4-FFF2-40B4-BE49-F238E27FC236}">
-                <a16:creationId xmlns:a16="http://schemas.microsoft.com/office/drawing/2014/main" id="{9B6EEC4E-070B-D8C9-BDB6-2324FFA25FA0}"/>
+          <p:cNvPr id="2" name="Content Placeholder 8">
+            <a:extLst>
+              <a:ext uri="{FF2B5EF4-FFF2-40B4-BE49-F238E27FC236}">
+                <a16:creationId xmlns:a16="http://schemas.microsoft.com/office/drawing/2014/main" id="{7422CB37-F87E-F8F8-1FDF-437F188FA830}"/>
               </a:ext>
             </a:extLst>
           </p:cNvPr>
           <p:cNvPicPr>
-            <a:picLocks noChangeAspect="1"/>
+            <a:picLocks noGrp="1" noChangeAspect="1"/>
           </p:cNvPicPr>
-          <p:nvPr/>
+          <p:nvPr>
+            <p:ph idx="1"/>
+          </p:nvPr>
         </p:nvPicPr>
         <p:blipFill>
           <a:blip r:embed="rId2"/>
@@ -3460,148 +3610,18 @@
         </p:blipFill>
         <p:spPr>
           <a:xfrm>
-            <a:off x="7202805" y="4867275"/>
-            <a:ext cx="4282440" cy="1295400"/>
+            <a:off x="4070865" y="0"/>
+            <a:ext cx="8012930" cy="6931185"/>
           </a:xfrm>
           <a:prstGeom prst="rect">
             <a:avLst/>
           </a:prstGeom>
         </p:spPr>
       </p:pic>
-      <p:sp>
-        <p:nvSpPr>
-          <p:cNvPr id="5" name="TextBox 4">
-            <a:extLst>
-              <a:ext uri="{FF2B5EF4-FFF2-40B4-BE49-F238E27FC236}">
-                <a16:creationId xmlns:a16="http://schemas.microsoft.com/office/drawing/2014/main" id="{3A88C677-26AA-A061-2395-BD0AC2DA2859}"/>
-              </a:ext>
-            </a:extLst>
-          </p:cNvPr>
-          <p:cNvSpPr txBox="1"/>
-          <p:nvPr/>
-        </p:nvSpPr>
-        <p:spPr>
-          <a:xfrm>
-            <a:off x="8067675" y="4495800"/>
-            <a:ext cx="2228944" cy="369332"/>
-          </a:xfrm>
-          <a:prstGeom prst="rect">
-            <a:avLst/>
-          </a:prstGeom>
-          <a:noFill/>
-        </p:spPr>
-        <p:txBody>
-          <a:bodyPr wrap="none" rtlCol="0">
-            <a:spAutoFit/>
-          </a:bodyPr>
-          <a:lstStyle/>
-          <a:p>
-            <a:r>
-              <a:rPr lang="en-US" dirty="0"/>
-              <a:t>Toy interaction matrix</a:t>
-            </a:r>
-          </a:p>
-        </p:txBody>
-      </p:sp>
-      <p:pic>
-        <p:nvPicPr>
-          <p:cNvPr id="25" name="Picture 24">
-            <a:extLst>
-              <a:ext uri="{FF2B5EF4-FFF2-40B4-BE49-F238E27FC236}">
-                <a16:creationId xmlns:a16="http://schemas.microsoft.com/office/drawing/2014/main" id="{95E5C685-0CD1-5D8F-3480-0764D04FC4BF}"/>
-              </a:ext>
-            </a:extLst>
-          </p:cNvPr>
-          <p:cNvPicPr>
-            <a:picLocks noChangeAspect="1"/>
-          </p:cNvPicPr>
-          <p:nvPr/>
-        </p:nvPicPr>
-        <p:blipFill>
-          <a:blip r:embed="rId3"/>
-          <a:stretch>
-            <a:fillRect/>
-          </a:stretch>
-        </p:blipFill>
-        <p:spPr>
-          <a:xfrm>
-            <a:off x="662145" y="845582"/>
-            <a:ext cx="7611609" cy="5667375"/>
-          </a:xfrm>
-          <a:prstGeom prst="rect">
-            <a:avLst/>
-          </a:prstGeom>
-        </p:spPr>
-      </p:pic>
-      <p:pic>
-        <p:nvPicPr>
-          <p:cNvPr id="27" name="Picture 26">
-            <a:extLst>
-              <a:ext uri="{FF2B5EF4-FFF2-40B4-BE49-F238E27FC236}">
-                <a16:creationId xmlns:a16="http://schemas.microsoft.com/office/drawing/2014/main" id="{960574C3-7A86-C303-B03E-488C76AFEAF0}"/>
-              </a:ext>
-            </a:extLst>
-          </p:cNvPr>
-          <p:cNvPicPr>
-            <a:picLocks noChangeAspect="1"/>
-          </p:cNvPicPr>
-          <p:nvPr/>
-        </p:nvPicPr>
-        <p:blipFill>
-          <a:blip r:embed="rId4"/>
-          <a:stretch>
-            <a:fillRect/>
-          </a:stretch>
-        </p:blipFill>
-        <p:spPr>
-          <a:xfrm>
-            <a:off x="9378221" y="638175"/>
-            <a:ext cx="2107024" cy="1295400"/>
-          </a:xfrm>
-          <a:prstGeom prst="rect">
-            <a:avLst/>
-          </a:prstGeom>
-        </p:spPr>
-      </p:pic>
-      <p:sp>
-        <p:nvSpPr>
-          <p:cNvPr id="28" name="TextBox 27">
-            <a:extLst>
-              <a:ext uri="{FF2B5EF4-FFF2-40B4-BE49-F238E27FC236}">
-                <a16:creationId xmlns:a16="http://schemas.microsoft.com/office/drawing/2014/main" id="{8E3860DF-873D-70AB-0F3A-C4509EF06463}"/>
-              </a:ext>
-            </a:extLst>
-          </p:cNvPr>
-          <p:cNvSpPr txBox="1"/>
-          <p:nvPr/>
-        </p:nvSpPr>
-        <p:spPr>
-          <a:xfrm>
-            <a:off x="1581150" y="295275"/>
-            <a:ext cx="2572820" cy="369332"/>
-          </a:xfrm>
-          <a:prstGeom prst="rect">
-            <a:avLst/>
-          </a:prstGeom>
-          <a:noFill/>
-        </p:spPr>
-        <p:txBody>
-          <a:bodyPr wrap="none" rtlCol="0">
-            <a:spAutoFit/>
-          </a:bodyPr>
-          <a:lstStyle/>
-          <a:p>
-            <a:r>
-              <a:rPr lang="en-US" dirty="0"/>
-              <a:t>Phenomenological model</a:t>
-            </a:r>
-          </a:p>
-        </p:txBody>
-      </p:sp>
     </p:spTree>
     <p:extLst>
       <p:ext uri="{BB962C8B-B14F-4D97-AF65-F5344CB8AC3E}">
-        <p14:creationId xmlns:p14="http://schemas.microsoft.com/office/powerpoint/2010/main" val="3790816064"/>
+        <p14:creationId xmlns:p14="http://schemas.microsoft.com/office/powerpoint/2010/main" val="2748062180"/>
       </p:ext>
     </p:extLst>
   </p:cSld>
@@ -3630,10 +3650,10 @@
       </p:grpSpPr>
       <p:pic>
         <p:nvPicPr>
-          <p:cNvPr id="21" name="Picture 20">
-            <a:extLst>
-              <a:ext uri="{FF2B5EF4-FFF2-40B4-BE49-F238E27FC236}">
-                <a16:creationId xmlns:a16="http://schemas.microsoft.com/office/drawing/2014/main" id="{EB64B22F-DCF2-098D-B665-530F18CE1699}"/>
+          <p:cNvPr id="4" name="Picture 3">
+            <a:extLst>
+              <a:ext uri="{FF2B5EF4-FFF2-40B4-BE49-F238E27FC236}">
+                <a16:creationId xmlns:a16="http://schemas.microsoft.com/office/drawing/2014/main" id="{9B6EEC4E-070B-D8C9-BDB6-2324FFA25FA0}"/>
               </a:ext>
             </a:extLst>
           </p:cNvPr>
@@ -3650,18 +3670,148 @@
         </p:blipFill>
         <p:spPr>
           <a:xfrm>
-            <a:off x="3192528" y="826544"/>
-            <a:ext cx="5806943" cy="5204911"/>
+            <a:off x="7202805" y="4867275"/>
+            <a:ext cx="4282440" cy="1295400"/>
           </a:xfrm>
           <a:prstGeom prst="rect">
             <a:avLst/>
           </a:prstGeom>
         </p:spPr>
       </p:pic>
+      <p:sp>
+        <p:nvSpPr>
+          <p:cNvPr id="5" name="TextBox 4">
+            <a:extLst>
+              <a:ext uri="{FF2B5EF4-FFF2-40B4-BE49-F238E27FC236}">
+                <a16:creationId xmlns:a16="http://schemas.microsoft.com/office/drawing/2014/main" id="{3A88C677-26AA-A061-2395-BD0AC2DA2859}"/>
+              </a:ext>
+            </a:extLst>
+          </p:cNvPr>
+          <p:cNvSpPr txBox="1"/>
+          <p:nvPr/>
+        </p:nvSpPr>
+        <p:spPr>
+          <a:xfrm>
+            <a:off x="8067675" y="4495800"/>
+            <a:ext cx="2228944" cy="369332"/>
+          </a:xfrm>
+          <a:prstGeom prst="rect">
+            <a:avLst/>
+          </a:prstGeom>
+          <a:noFill/>
+        </p:spPr>
+        <p:txBody>
+          <a:bodyPr wrap="none" rtlCol="0">
+            <a:spAutoFit/>
+          </a:bodyPr>
+          <a:lstStyle/>
+          <a:p>
+            <a:r>
+              <a:rPr lang="en-US" dirty="0"/>
+              <a:t>Toy interaction matrix</a:t>
+            </a:r>
+          </a:p>
+        </p:txBody>
+      </p:sp>
+      <p:pic>
+        <p:nvPicPr>
+          <p:cNvPr id="25" name="Picture 24">
+            <a:extLst>
+              <a:ext uri="{FF2B5EF4-FFF2-40B4-BE49-F238E27FC236}">
+                <a16:creationId xmlns:a16="http://schemas.microsoft.com/office/drawing/2014/main" id="{95E5C685-0CD1-5D8F-3480-0764D04FC4BF}"/>
+              </a:ext>
+            </a:extLst>
+          </p:cNvPr>
+          <p:cNvPicPr>
+            <a:picLocks noChangeAspect="1"/>
+          </p:cNvPicPr>
+          <p:nvPr/>
+        </p:nvPicPr>
+        <p:blipFill>
+          <a:blip r:embed="rId3"/>
+          <a:stretch>
+            <a:fillRect/>
+          </a:stretch>
+        </p:blipFill>
+        <p:spPr>
+          <a:xfrm>
+            <a:off x="662145" y="845582"/>
+            <a:ext cx="7611609" cy="5667375"/>
+          </a:xfrm>
+          <a:prstGeom prst="rect">
+            <a:avLst/>
+          </a:prstGeom>
+        </p:spPr>
+      </p:pic>
+      <p:pic>
+        <p:nvPicPr>
+          <p:cNvPr id="27" name="Picture 26">
+            <a:extLst>
+              <a:ext uri="{FF2B5EF4-FFF2-40B4-BE49-F238E27FC236}">
+                <a16:creationId xmlns:a16="http://schemas.microsoft.com/office/drawing/2014/main" id="{960574C3-7A86-C303-B03E-488C76AFEAF0}"/>
+              </a:ext>
+            </a:extLst>
+          </p:cNvPr>
+          <p:cNvPicPr>
+            <a:picLocks noChangeAspect="1"/>
+          </p:cNvPicPr>
+          <p:nvPr/>
+        </p:nvPicPr>
+        <p:blipFill>
+          <a:blip r:embed="rId4"/>
+          <a:stretch>
+            <a:fillRect/>
+          </a:stretch>
+        </p:blipFill>
+        <p:spPr>
+          <a:xfrm>
+            <a:off x="9378221" y="638175"/>
+            <a:ext cx="2107024" cy="1295400"/>
+          </a:xfrm>
+          <a:prstGeom prst="rect">
+            <a:avLst/>
+          </a:prstGeom>
+        </p:spPr>
+      </p:pic>
+      <p:sp>
+        <p:nvSpPr>
+          <p:cNvPr id="28" name="TextBox 27">
+            <a:extLst>
+              <a:ext uri="{FF2B5EF4-FFF2-40B4-BE49-F238E27FC236}">
+                <a16:creationId xmlns:a16="http://schemas.microsoft.com/office/drawing/2014/main" id="{8E3860DF-873D-70AB-0F3A-C4509EF06463}"/>
+              </a:ext>
+            </a:extLst>
+          </p:cNvPr>
+          <p:cNvSpPr txBox="1"/>
+          <p:nvPr/>
+        </p:nvSpPr>
+        <p:spPr>
+          <a:xfrm>
+            <a:off x="1581150" y="295275"/>
+            <a:ext cx="2572820" cy="369332"/>
+          </a:xfrm>
+          <a:prstGeom prst="rect">
+            <a:avLst/>
+          </a:prstGeom>
+          <a:noFill/>
+        </p:spPr>
+        <p:txBody>
+          <a:bodyPr wrap="none" rtlCol="0">
+            <a:spAutoFit/>
+          </a:bodyPr>
+          <a:lstStyle/>
+          <a:p>
+            <a:r>
+              <a:rPr lang="en-US" dirty="0"/>
+              <a:t>Phenomenological model</a:t>
+            </a:r>
+          </a:p>
+        </p:txBody>
+      </p:sp>
     </p:spTree>
     <p:extLst>
       <p:ext uri="{BB962C8B-B14F-4D97-AF65-F5344CB8AC3E}">
-        <p14:creationId xmlns:p14="http://schemas.microsoft.com/office/powerpoint/2010/main" val="2748062180"/>
+        <p14:creationId xmlns:p14="http://schemas.microsoft.com/office/powerpoint/2010/main" val="3790816064"/>
       </p:ext>
     </p:extLst>
   </p:cSld>
@@ -3720,7 +3870,7 @@
         </p:blipFill>
         <p:spPr>
           <a:xfrm>
-            <a:off x="585146" y="1397549"/>
+            <a:off x="481188" y="857340"/>
             <a:ext cx="3151239" cy="521143"/>
           </a:xfrm>
           <a:prstGeom prst="rect">
@@ -3760,7 +3910,7 @@
         </p:blipFill>
         <p:spPr>
           <a:xfrm>
-            <a:off x="481188" y="2060036"/>
+            <a:off x="484235" y="1885324"/>
             <a:ext cx="3148192" cy="614095"/>
           </a:xfrm>
           <a:prstGeom prst="rect">
@@ -3800,7 +3950,7 @@
         </p:blipFill>
         <p:spPr>
           <a:xfrm>
-            <a:off x="3996193" y="1430311"/>
+            <a:off x="4142108" y="916227"/>
             <a:ext cx="4237714" cy="455619"/>
           </a:xfrm>
           <a:prstGeom prst="rect">
@@ -3840,7 +3990,7 @@
         </p:blipFill>
         <p:spPr>
           <a:xfrm>
-            <a:off x="3877337" y="2138512"/>
+            <a:off x="4142108" y="2042277"/>
             <a:ext cx="5930666" cy="457142"/>
           </a:xfrm>
           <a:prstGeom prst="rect">
@@ -3880,7 +4030,7 @@
         </p:blipFill>
         <p:spPr>
           <a:xfrm>
-            <a:off x="416156" y="3414280"/>
+            <a:off x="505210" y="2877137"/>
             <a:ext cx="3183239" cy="594286"/>
           </a:xfrm>
           <a:prstGeom prst="rect">
@@ -3920,7 +4070,7 @@
         </p:blipFill>
         <p:spPr>
           <a:xfrm>
-            <a:off x="406518" y="4020258"/>
+            <a:off x="505210" y="3948808"/>
             <a:ext cx="3186288" cy="711619"/>
           </a:xfrm>
           <a:prstGeom prst="rect">
@@ -3960,7 +4110,7 @@
         </p:blipFill>
         <p:spPr>
           <a:xfrm>
-            <a:off x="3996193" y="3471423"/>
+            <a:off x="4142108" y="2898185"/>
             <a:ext cx="5973334" cy="480000"/>
           </a:xfrm>
           <a:prstGeom prst="rect">
@@ -4000,7 +4150,7 @@
         </p:blipFill>
         <p:spPr>
           <a:xfrm>
-            <a:off x="3972573" y="4123115"/>
+            <a:off x="4118488" y="4149786"/>
             <a:ext cx="4284953" cy="505905"/>
           </a:xfrm>
           <a:prstGeom prst="rect">
@@ -4040,7 +4190,7 @@
         </p:blipFill>
         <p:spPr>
           <a:xfrm>
-            <a:off x="406518" y="5182916"/>
+            <a:off x="505210" y="5005690"/>
             <a:ext cx="3027811" cy="583619"/>
           </a:xfrm>
           <a:prstGeom prst="rect">
@@ -4120,7 +4270,7 @@
         </p:blipFill>
         <p:spPr>
           <a:xfrm>
-            <a:off x="3936765" y="5235487"/>
+            <a:off x="3936765" y="5104656"/>
             <a:ext cx="5811810" cy="478476"/>
           </a:xfrm>
           <a:prstGeom prst="rect">
@@ -4233,47 +4383,12 @@
           <a:chExt cx="0" cy="0"/>
         </a:xfrm>
       </p:grpSpPr>
-      <p:sp>
-        <p:nvSpPr>
-          <p:cNvPr id="10" name="TextBox 9">
-            <a:extLst>
-              <a:ext uri="{FF2B5EF4-FFF2-40B4-BE49-F238E27FC236}">
-                <a16:creationId xmlns:a16="http://schemas.microsoft.com/office/drawing/2014/main" id="{BEF1B83E-B667-1BA1-D06F-A6B89EFEAC5E}"/>
-              </a:ext>
-            </a:extLst>
-          </p:cNvPr>
-          <p:cNvSpPr txBox="1"/>
-          <p:nvPr/>
-        </p:nvSpPr>
-        <p:spPr>
-          <a:xfrm>
-            <a:off x="695325" y="581025"/>
-            <a:ext cx="2783839" cy="369332"/>
-          </a:xfrm>
-          <a:prstGeom prst="rect">
-            <a:avLst/>
-          </a:prstGeom>
-          <a:noFill/>
-        </p:spPr>
-        <p:txBody>
-          <a:bodyPr wrap="none" rtlCol="0">
-            <a:spAutoFit/>
-          </a:bodyPr>
-          <a:lstStyle/>
-          <a:p>
-            <a:r>
-              <a:rPr lang="en-US" dirty="0"/>
-              <a:t>Mechanistic model diagram</a:t>
-            </a:r>
-          </a:p>
-        </p:txBody>
-      </p:sp>
       <p:pic>
         <p:nvPicPr>
-          <p:cNvPr id="14" name="Picture 13">
-            <a:extLst>
-              <a:ext uri="{FF2B5EF4-FFF2-40B4-BE49-F238E27FC236}">
-                <a16:creationId xmlns:a16="http://schemas.microsoft.com/office/drawing/2014/main" id="{36A17168-DC4C-DC02-AA7D-FBA14014C831}"/>
+          <p:cNvPr id="5" name="Picture 4" descr="A picture containing text, screenshot, rectangle&#10;&#10;Description automatically generated">
+            <a:extLst>
+              <a:ext uri="{FF2B5EF4-FFF2-40B4-BE49-F238E27FC236}">
+                <a16:creationId xmlns:a16="http://schemas.microsoft.com/office/drawing/2014/main" id="{9E1D60A9-DE82-ABEE-E112-972DCA3F318C}"/>
               </a:ext>
             </a:extLst>
           </p:cNvPr>
@@ -4283,45 +4398,21 @@
           <p:nvPr/>
         </p:nvPicPr>
         <p:blipFill>
-          <a:blip r:embed="rId2"/>
+          <a:blip r:embed="rId2">
+            <a:extLst>
+              <a:ext uri="{28A0092B-C50C-407E-A947-70E740481C1C}">
+                <a14:useLocalDpi xmlns:a14="http://schemas.microsoft.com/office/drawing/2010/main" val="0"/>
+              </a:ext>
+            </a:extLst>
+          </a:blip>
           <a:stretch>
             <a:fillRect/>
           </a:stretch>
         </p:blipFill>
         <p:spPr>
           <a:xfrm>
-            <a:off x="5416089" y="307393"/>
-            <a:ext cx="1063449" cy="1285928"/>
-          </a:xfrm>
-          <a:prstGeom prst="rect">
-            <a:avLst/>
-          </a:prstGeom>
-        </p:spPr>
-      </p:pic>
-      <p:pic>
-        <p:nvPicPr>
-          <p:cNvPr id="16" name="Picture 15">
-            <a:extLst>
-              <a:ext uri="{FF2B5EF4-FFF2-40B4-BE49-F238E27FC236}">
-                <a16:creationId xmlns:a16="http://schemas.microsoft.com/office/drawing/2014/main" id="{8E55CE95-98FF-99AC-3E23-BB9D9E0CD2BA}"/>
-              </a:ext>
-            </a:extLst>
-          </p:cNvPr>
-          <p:cNvPicPr>
-            <a:picLocks noChangeAspect="1"/>
-          </p:cNvPicPr>
-          <p:nvPr/>
-        </p:nvPicPr>
-        <p:blipFill>
-          <a:blip r:embed="rId3"/>
-          <a:stretch>
-            <a:fillRect/>
-          </a:stretch>
-        </p:blipFill>
-        <p:spPr>
-          <a:xfrm>
-            <a:off x="4665432" y="0"/>
-            <a:ext cx="7375985" cy="6858000"/>
+            <a:off x="1653746" y="308920"/>
+            <a:ext cx="8692978" cy="5795318"/>
           </a:xfrm>
           <a:prstGeom prst="rect">
             <a:avLst/>
@@ -4331,7 +4422,7 @@
     </p:spTree>
     <p:extLst>
       <p:ext uri="{BB962C8B-B14F-4D97-AF65-F5344CB8AC3E}">
-        <p14:creationId xmlns:p14="http://schemas.microsoft.com/office/powerpoint/2010/main" val="4143629065"/>
+        <p14:creationId xmlns:p14="http://schemas.microsoft.com/office/powerpoint/2010/main" val="1157829885"/>
       </p:ext>
     </p:extLst>
   </p:cSld>
